--- a/О чем курс.pptx
+++ b/О чем курс.pptx
@@ -111,6 +111,11 @@
       </a:defRPr>
     </a:lvl9pPr>
   </p:defaultTextStyle>
+  <p:extLst>
+    <p:ext uri="{EFAFB233-063F-42B5-8137-9DF3F51BA10A}">
+      <p15:sldGuideLst xmlns:p15="http://schemas.microsoft.com/office/powerpoint/2012/main"/>
+    </p:ext>
+  </p:extLst>
 </p:presentation>
 </file>
 
@@ -3675,13 +3680,7 @@
               <a:rPr lang="en-GB" dirty="0">
                 <a:hlinkClick r:id="rId2"/>
               </a:rPr>
-              <a:t>https://yandex.ru/yaintern</a:t>
-            </a:r>
-            <a:r>
-              <a:rPr lang="en-GB" dirty="0">
-                <a:hlinkClick r:id="rId2"/>
-              </a:rPr>
-              <a:t>/</a:t>
+              <a:t>https://yandex.ru/yaintern/</a:t>
             </a:r>
             <a:br>
               <a:rPr lang="ru-RU" dirty="0"/>

--- a/О чем курс.pptx
+++ b/О чем курс.pptx
@@ -268,7 +268,7 @@
           <a:p>
             <a:fld id="{DBD39FDB-140E-F84C-A310-F3B173DD0351}" type="datetimeFigureOut">
               <a:rPr lang="en-RU" smtClean="0"/>
-              <a:t>13.01.2024</a:t>
+              <a:t>15.01.2024</a:t>
             </a:fld>
             <a:endParaRPr lang="en-RU"/>
           </a:p>
@@ -468,7 +468,7 @@
           <a:p>
             <a:fld id="{DBD39FDB-140E-F84C-A310-F3B173DD0351}" type="datetimeFigureOut">
               <a:rPr lang="en-RU" smtClean="0"/>
-              <a:t>13.01.2024</a:t>
+              <a:t>15.01.2024</a:t>
             </a:fld>
             <a:endParaRPr lang="en-RU"/>
           </a:p>
@@ -678,7 +678,7 @@
           <a:p>
             <a:fld id="{DBD39FDB-140E-F84C-A310-F3B173DD0351}" type="datetimeFigureOut">
               <a:rPr lang="en-RU" smtClean="0"/>
-              <a:t>13.01.2024</a:t>
+              <a:t>15.01.2024</a:t>
             </a:fld>
             <a:endParaRPr lang="en-RU"/>
           </a:p>
@@ -878,7 +878,7 @@
           <a:p>
             <a:fld id="{DBD39FDB-140E-F84C-A310-F3B173DD0351}" type="datetimeFigureOut">
               <a:rPr lang="en-RU" smtClean="0"/>
-              <a:t>13.01.2024</a:t>
+              <a:t>15.01.2024</a:t>
             </a:fld>
             <a:endParaRPr lang="en-RU"/>
           </a:p>
@@ -1154,7 +1154,7 @@
           <a:p>
             <a:fld id="{DBD39FDB-140E-F84C-A310-F3B173DD0351}" type="datetimeFigureOut">
               <a:rPr lang="en-RU" smtClean="0"/>
-              <a:t>13.01.2024</a:t>
+              <a:t>15.01.2024</a:t>
             </a:fld>
             <a:endParaRPr lang="en-RU"/>
           </a:p>
@@ -1422,7 +1422,7 @@
           <a:p>
             <a:fld id="{DBD39FDB-140E-F84C-A310-F3B173DD0351}" type="datetimeFigureOut">
               <a:rPr lang="en-RU" smtClean="0"/>
-              <a:t>13.01.2024</a:t>
+              <a:t>15.01.2024</a:t>
             </a:fld>
             <a:endParaRPr lang="en-RU"/>
           </a:p>
@@ -1837,7 +1837,7 @@
           <a:p>
             <a:fld id="{DBD39FDB-140E-F84C-A310-F3B173DD0351}" type="datetimeFigureOut">
               <a:rPr lang="en-RU" smtClean="0"/>
-              <a:t>13.01.2024</a:t>
+              <a:t>15.01.2024</a:t>
             </a:fld>
             <a:endParaRPr lang="en-RU"/>
           </a:p>
@@ -1979,7 +1979,7 @@
           <a:p>
             <a:fld id="{DBD39FDB-140E-F84C-A310-F3B173DD0351}" type="datetimeFigureOut">
               <a:rPr lang="en-RU" smtClean="0"/>
-              <a:t>13.01.2024</a:t>
+              <a:t>15.01.2024</a:t>
             </a:fld>
             <a:endParaRPr lang="en-RU"/>
           </a:p>
@@ -2092,7 +2092,7 @@
           <a:p>
             <a:fld id="{DBD39FDB-140E-F84C-A310-F3B173DD0351}" type="datetimeFigureOut">
               <a:rPr lang="en-RU" smtClean="0"/>
-              <a:t>13.01.2024</a:t>
+              <a:t>15.01.2024</a:t>
             </a:fld>
             <a:endParaRPr lang="en-RU"/>
           </a:p>
@@ -2405,7 +2405,7 @@
           <a:p>
             <a:fld id="{DBD39FDB-140E-F84C-A310-F3B173DD0351}" type="datetimeFigureOut">
               <a:rPr lang="en-RU" smtClean="0"/>
-              <a:t>13.01.2024</a:t>
+              <a:t>15.01.2024</a:t>
             </a:fld>
             <a:endParaRPr lang="en-RU"/>
           </a:p>
@@ -2694,7 +2694,7 @@
           <a:p>
             <a:fld id="{DBD39FDB-140E-F84C-A310-F3B173DD0351}" type="datetimeFigureOut">
               <a:rPr lang="en-RU" smtClean="0"/>
-              <a:t>13.01.2024</a:t>
+              <a:t>15.01.2024</a:t>
             </a:fld>
             <a:endParaRPr lang="en-RU"/>
           </a:p>
@@ -2937,7 +2937,7 @@
           <a:p>
             <a:fld id="{DBD39FDB-140E-F84C-A310-F3B173DD0351}" type="datetimeFigureOut">
               <a:rPr lang="en-RU" smtClean="0"/>
-              <a:t>13.01.2024</a:t>
+              <a:t>15.01.2024</a:t>
             </a:fld>
             <a:endParaRPr lang="en-RU"/>
           </a:p>
@@ -4335,6 +4335,12 @@
           <a:p>
             <a:r>
               <a:rPr lang="ru-RU" dirty="0"/>
+              <a:t>Пройти опрос (ссылка в чате)</a:t>
+            </a:r>
+          </a:p>
+          <a:p>
+            <a:r>
+              <a:rPr lang="ru-RU" dirty="0"/>
               <a:t>Скинуть ссылку на свой репозиторий на </a:t>
             </a:r>
             <a:r>
